--- a/CodeSprint Projects.pptx
+++ b/CodeSprint Projects.pptx
@@ -118,6 +118,11 @@
       </a:defRPr>
     </a:lvl9pPr>
   </p:defaultTextStyle>
+  <p:extLst>
+    <p:ext uri="{EFAFB233-063F-42B5-8137-9DF3F51BA10A}">
+      <p15:sldGuideLst xmlns:p15="http://schemas.microsoft.com/office/powerpoint/2012/main"/>
+    </p:ext>
+  </p:extLst>
 </p:presentation>
 </file>
 
@@ -2828,7 +2833,7 @@
           <a:p>
             <a:r>
               <a:rPr lang="en-US" dirty="0"/>
-              <a:t>Lead: </a:t>
+              <a:t>Lead: Kelly Davis </a:t>
             </a:r>
           </a:p>
         </p:txBody>
@@ -2923,7 +2928,7 @@
           <a:p>
             <a:r>
               <a:rPr lang="en-US" dirty="0"/>
-              <a:t>Lead: </a:t>
+              <a:t>Lead: Neil Soiffer</a:t>
             </a:r>
           </a:p>
         </p:txBody>
@@ -3014,7 +3019,7 @@
           <a:p>
             <a:r>
               <a:rPr lang="en-US" dirty="0"/>
-              <a:t>Lead: </a:t>
+              <a:t>Lead: Clayton Lewis</a:t>
             </a:r>
           </a:p>
         </p:txBody>
@@ -3105,7 +3110,15 @@
           <a:p>
             <a:r>
               <a:rPr lang="en-US" dirty="0"/>
-              <a:t>Lead: </a:t>
+              <a:t>Lead: Thaddeus </a:t>
+            </a:r>
+            <a:r>
+              <a:rPr lang="en-US" dirty="0" err="1"/>
+              <a:t>Cambron</a:t>
+            </a:r>
+            <a:r>
+              <a:rPr lang="en-US" dirty="0"/>
+              <a:t> </a:t>
             </a:r>
           </a:p>
         </p:txBody>
@@ -3196,7 +3209,7 @@
           <a:p>
             <a:r>
               <a:rPr lang="en-US" dirty="0"/>
-              <a:t>Lead: </a:t>
+              <a:t>Lead: Kevin Yang</a:t>
             </a:r>
           </a:p>
         </p:txBody>
@@ -3287,7 +3300,7 @@
           <a:p>
             <a:r>
               <a:rPr lang="en-US" dirty="0"/>
-              <a:t>Lead: </a:t>
+              <a:t>Lead: Phil Weaver</a:t>
             </a:r>
           </a:p>
         </p:txBody>
@@ -3678,7 +3691,7 @@
           <a:p>
             <a:r>
               <a:rPr lang="en-US" dirty="0"/>
-              <a:t>Lead:</a:t>
+              <a:t>Lead: Jesse Beach</a:t>
             </a:r>
           </a:p>
         </p:txBody>
@@ -3769,7 +3782,7 @@
           <a:p>
             <a:r>
               <a:rPr lang="en-US" dirty="0"/>
-              <a:t>Lead: </a:t>
+              <a:t>Lead: Travis Snyder </a:t>
             </a:r>
           </a:p>
         </p:txBody>
@@ -3860,8 +3873,13 @@
           <a:p>
             <a:r>
               <a:rPr lang="en-US" dirty="0"/>
-              <a:t>Lead: </a:t>
-            </a:r>
+              <a:t>Lead: Michael </a:t>
+            </a:r>
+            <a:r>
+              <a:rPr lang="en-US" dirty="0" err="1"/>
+              <a:t>Kauzmann</a:t>
+            </a:r>
+            <a:endParaRPr lang="en-US" dirty="0"/>
           </a:p>
         </p:txBody>
       </p:sp>
@@ -3951,7 +3969,7 @@
           <a:p>
             <a:r>
               <a:rPr lang="en-US" dirty="0"/>
-              <a:t>Lead: </a:t>
+              <a:t>Lead: Beth Powell</a:t>
             </a:r>
           </a:p>
         </p:txBody>
@@ -4042,7 +4060,7 @@
           <a:p>
             <a:r>
               <a:rPr lang="en-US" dirty="0"/>
-              <a:t>Lead: </a:t>
+              <a:t>Lead: Ron Ellis</a:t>
             </a:r>
           </a:p>
         </p:txBody>
